--- a/Лекции/ИТиП лек 6 (практическая 3).pptx
+++ b/Лекции/ИТиП лек 6 (практическая 3).pptx
@@ -247,7 +247,7 @@
             <a:fld id="{AA2F9473-F066-431E-A6E8-1D478C995A6B}" type="datetimeFigureOut">
               <a:rPr lang="en-US" smtClean="0"/>
               <a:pPr/>
-              <a:t>3/22/2024</a:t>
+              <a:t>11/27/2024</a:t>
             </a:fld>
             <a:endParaRPr lang="en-US"/>
           </a:p>
@@ -8671,11 +8671,14 @@
               <a:t>Вопросы аудитории: </a:t>
             </a:r>
             <a:r>
-              <a:rPr lang="ru-RU" sz="2400" dirty="0">
+              <a:rPr lang="ru-RU" sz="2400" dirty="0" smtClean="0">
                 <a:latin typeface="Bookman Old Style" panose="02050604050505020204" pitchFamily="18" charset="0"/>
               </a:rPr>
-              <a:t>что здесь происходит построчно?</a:t>
-            </a:r>
+              <a:t>какой здесь порядок выполнения?</a:t>
+            </a:r>
+            <a:endParaRPr lang="ru-RU" sz="2400" dirty="0">
+              <a:latin typeface="Bookman Old Style" panose="02050604050505020204" pitchFamily="18" charset="0"/>
+            </a:endParaRPr>
           </a:p>
           <a:p>
             <a:r>
@@ -8814,8 +8817,235 @@
                 </a:solidFill>
                 <a:latin typeface="Cascadia Mono" panose="020B0609020000020004" pitchFamily="49" charset="0"/>
               </a:rPr>
-              <a:t> age;</a:t>
-            </a:r>
+              <a:t> age</a:t>
+            </a:r>
+            <a:r>
+              <a:rPr lang="en-US" sz="2400" dirty="0" smtClean="0">
+                <a:solidFill>
+                  <a:srgbClr val="000000"/>
+                </a:solidFill>
+                <a:latin typeface="Cascadia Mono" panose="020B0609020000020004" pitchFamily="49" charset="0"/>
+              </a:rPr>
+              <a:t>;</a:t>
+            </a:r>
+            <a:endParaRPr lang="ru-RU" sz="2400" dirty="0">
+              <a:solidFill>
+                <a:srgbClr val="000000"/>
+              </a:solidFill>
+              <a:latin typeface="Cascadia Mono" panose="020B0609020000020004" pitchFamily="49" charset="0"/>
+            </a:endParaRPr>
+          </a:p>
+          <a:p>
+            <a:r>
+              <a:rPr lang="en-US" sz="2400" dirty="0">
+                <a:solidFill>
+                  <a:srgbClr val="000000"/>
+                </a:solidFill>
+                <a:latin typeface="Cascadia Mono" panose="020B0609020000020004" pitchFamily="49" charset="0"/>
+              </a:rPr>
+              <a:t> </a:t>
+            </a:r>
+            <a:r>
+              <a:rPr lang="ru-RU" sz="2400" dirty="0" smtClean="0">
+                <a:solidFill>
+                  <a:srgbClr val="000000"/>
+                </a:solidFill>
+                <a:latin typeface="Cascadia Mono" panose="020B0609020000020004" pitchFamily="49" charset="0"/>
+              </a:rPr>
+              <a:t>   </a:t>
+            </a:r>
+            <a:r>
+              <a:rPr lang="en-US" sz="2400" dirty="0" smtClean="0">
+                <a:solidFill>
+                  <a:srgbClr val="0000FF"/>
+                </a:solidFill>
+                <a:latin typeface="Cascadia Mono" panose="020B0609020000020004" pitchFamily="49" charset="0"/>
+              </a:rPr>
+              <a:t>public</a:t>
+            </a:r>
+            <a:r>
+              <a:rPr lang="en-US" sz="2400" dirty="0" smtClean="0">
+                <a:solidFill>
+                  <a:srgbClr val="000000"/>
+                </a:solidFill>
+                <a:latin typeface="Cascadia Mono" panose="020B0609020000020004" pitchFamily="49" charset="0"/>
+              </a:rPr>
+              <a:t> </a:t>
+            </a:r>
+            <a:r>
+              <a:rPr lang="en-US" sz="2400" dirty="0">
+                <a:solidFill>
+                  <a:srgbClr val="0000FF"/>
+                </a:solidFill>
+                <a:latin typeface="Cascadia Mono" panose="020B0609020000020004" pitchFamily="49" charset="0"/>
+              </a:rPr>
+              <a:t>void</a:t>
+            </a:r>
+            <a:r>
+              <a:rPr lang="en-US" sz="2400" dirty="0">
+                <a:solidFill>
+                  <a:srgbClr val="000000"/>
+                </a:solidFill>
+                <a:latin typeface="Cascadia Mono" panose="020B0609020000020004" pitchFamily="49" charset="0"/>
+              </a:rPr>
+              <a:t> Print()</a:t>
+            </a:r>
+          </a:p>
+          <a:p>
+            <a:r>
+              <a:rPr lang="ru-RU" sz="2400" dirty="0">
+                <a:solidFill>
+                  <a:srgbClr val="000000"/>
+                </a:solidFill>
+                <a:latin typeface="Cascadia Mono" panose="020B0609020000020004" pitchFamily="49" charset="0"/>
+              </a:rPr>
+              <a:t>    {</a:t>
+            </a:r>
+          </a:p>
+          <a:p>
+            <a:r>
+              <a:rPr lang="en-US" sz="2400" dirty="0">
+                <a:solidFill>
+                  <a:srgbClr val="000000"/>
+                </a:solidFill>
+                <a:latin typeface="Cascadia Mono" panose="020B0609020000020004" pitchFamily="49" charset="0"/>
+              </a:rPr>
+              <a:t>        </a:t>
+            </a:r>
+            <a:r>
+              <a:rPr lang="en-US" sz="2400" dirty="0" err="1">
+                <a:solidFill>
+                  <a:srgbClr val="000000"/>
+                </a:solidFill>
+                <a:latin typeface="Cascadia Mono" panose="020B0609020000020004" pitchFamily="49" charset="0"/>
+              </a:rPr>
+              <a:t>Console.WriteLine</a:t>
+            </a:r>
+            <a:r>
+              <a:rPr lang="en-US" sz="2400" dirty="0">
+                <a:solidFill>
+                  <a:srgbClr val="000000"/>
+                </a:solidFill>
+                <a:latin typeface="Cascadia Mono" panose="020B0609020000020004" pitchFamily="49" charset="0"/>
+              </a:rPr>
+              <a:t>(</a:t>
+            </a:r>
+            <a:r>
+              <a:rPr lang="en-US" sz="2400" dirty="0">
+                <a:solidFill>
+                  <a:srgbClr val="A31515"/>
+                </a:solidFill>
+                <a:latin typeface="Cascadia Mono" panose="020B0609020000020004" pitchFamily="49" charset="0"/>
+              </a:rPr>
+              <a:t>$"</a:t>
+            </a:r>
+            <a:r>
+              <a:rPr lang="ru-RU" sz="2400" dirty="0">
+                <a:solidFill>
+                  <a:srgbClr val="A31515"/>
+                </a:solidFill>
+                <a:latin typeface="Cascadia Mono" panose="020B0609020000020004" pitchFamily="49" charset="0"/>
+              </a:rPr>
+              <a:t>Имя: </a:t>
+            </a:r>
+            <a:r>
+              <a:rPr lang="ru-RU" sz="2400" dirty="0">
+                <a:solidFill>
+                  <a:srgbClr val="000000"/>
+                </a:solidFill>
+                <a:latin typeface="Cascadia Mono" panose="020B0609020000020004" pitchFamily="49" charset="0"/>
+              </a:rPr>
+              <a:t>{</a:t>
+            </a:r>
+            <a:r>
+              <a:rPr lang="en-US" sz="2400" dirty="0">
+                <a:solidFill>
+                  <a:srgbClr val="000000"/>
+                </a:solidFill>
+                <a:latin typeface="Cascadia Mono" panose="020B0609020000020004" pitchFamily="49" charset="0"/>
+              </a:rPr>
+              <a:t>name}</a:t>
+            </a:r>
+            <a:r>
+              <a:rPr lang="en-US" sz="2400" dirty="0">
+                <a:solidFill>
+                  <a:srgbClr val="A31515"/>
+                </a:solidFill>
+                <a:latin typeface="Cascadia Mono" panose="020B0609020000020004" pitchFamily="49" charset="0"/>
+              </a:rPr>
+              <a:t>  </a:t>
+            </a:r>
+            <a:r>
+              <a:rPr lang="ru-RU" sz="2400" dirty="0">
+                <a:solidFill>
+                  <a:srgbClr val="A31515"/>
+                </a:solidFill>
+                <a:latin typeface="Cascadia Mono" panose="020B0609020000020004" pitchFamily="49" charset="0"/>
+              </a:rPr>
+              <a:t>Возраст: </a:t>
+            </a:r>
+            <a:r>
+              <a:rPr lang="ru-RU" sz="2400" dirty="0">
+                <a:solidFill>
+                  <a:srgbClr val="000000"/>
+                </a:solidFill>
+                <a:latin typeface="Cascadia Mono" panose="020B0609020000020004" pitchFamily="49" charset="0"/>
+              </a:rPr>
+              <a:t>{</a:t>
+            </a:r>
+            <a:r>
+              <a:rPr lang="en-US" sz="2400" dirty="0">
+                <a:solidFill>
+                  <a:srgbClr val="000000"/>
+                </a:solidFill>
+                <a:latin typeface="Cascadia Mono" panose="020B0609020000020004" pitchFamily="49" charset="0"/>
+              </a:rPr>
+              <a:t>age}</a:t>
+            </a:r>
+            <a:r>
+              <a:rPr lang="en-US" sz="2400" dirty="0">
+                <a:solidFill>
+                  <a:srgbClr val="A31515"/>
+                </a:solidFill>
+                <a:latin typeface="Cascadia Mono" panose="020B0609020000020004" pitchFamily="49" charset="0"/>
+              </a:rPr>
+              <a:t>"</a:t>
+            </a:r>
+            <a:r>
+              <a:rPr lang="en-US" sz="2400" dirty="0">
+                <a:solidFill>
+                  <a:srgbClr val="000000"/>
+                </a:solidFill>
+                <a:latin typeface="Cascadia Mono" panose="020B0609020000020004" pitchFamily="49" charset="0"/>
+              </a:rPr>
+              <a:t>);</a:t>
+            </a:r>
+          </a:p>
+          <a:p>
+            <a:r>
+              <a:rPr lang="ru-RU" sz="2400" dirty="0">
+                <a:solidFill>
+                  <a:srgbClr val="000000"/>
+                </a:solidFill>
+                <a:latin typeface="Cascadia Mono" panose="020B0609020000020004" pitchFamily="49" charset="0"/>
+              </a:rPr>
+              <a:t>    </a:t>
+            </a:r>
+            <a:r>
+              <a:rPr lang="ru-RU" sz="2400" dirty="0" smtClean="0">
+                <a:solidFill>
+                  <a:srgbClr val="000000"/>
+                </a:solidFill>
+                <a:latin typeface="Cascadia Mono" panose="020B0609020000020004" pitchFamily="49" charset="0"/>
+              </a:rPr>
+              <a:t>}</a:t>
+            </a:r>
+            <a:endParaRPr lang="en-US" sz="2400" dirty="0">
+              <a:solidFill>
+                <a:srgbClr val="000000"/>
+              </a:solidFill>
+              <a:latin typeface="Cascadia Mono" panose="020B0609020000020004" pitchFamily="49" charset="0"/>
+            </a:endParaRPr>
           </a:p>
           <a:p>
             <a:r>
@@ -8990,194 +9220,6 @@
                 <a:latin typeface="Cascadia Mono" panose="020B0609020000020004" pitchFamily="49" charset="0"/>
               </a:rPr>
               <a:t>        age = 37;</a:t>
-            </a:r>
-          </a:p>
-          <a:p>
-            <a:r>
-              <a:rPr lang="ru-RU" sz="2400" dirty="0">
-                <a:solidFill>
-                  <a:srgbClr val="000000"/>
-                </a:solidFill>
-                <a:latin typeface="Cascadia Mono" panose="020B0609020000020004" pitchFamily="49" charset="0"/>
-              </a:rPr>
-              <a:t>    }</a:t>
-            </a:r>
-          </a:p>
-          <a:p>
-            <a:r>
-              <a:rPr lang="en-US" sz="2400" dirty="0">
-                <a:solidFill>
-                  <a:srgbClr val="000000"/>
-                </a:solidFill>
-                <a:latin typeface="Cascadia Mono" panose="020B0609020000020004" pitchFamily="49" charset="0"/>
-              </a:rPr>
-              <a:t>    </a:t>
-            </a:r>
-            <a:r>
-              <a:rPr lang="en-US" sz="2400" dirty="0">
-                <a:solidFill>
-                  <a:srgbClr val="0000FF"/>
-                </a:solidFill>
-                <a:latin typeface="Cascadia Mono" panose="020B0609020000020004" pitchFamily="49" charset="0"/>
-              </a:rPr>
-              <a:t>public</a:t>
-            </a:r>
-            <a:r>
-              <a:rPr lang="en-US" sz="2400" dirty="0">
-                <a:solidFill>
-                  <a:srgbClr val="000000"/>
-                </a:solidFill>
-                <a:latin typeface="Cascadia Mono" panose="020B0609020000020004" pitchFamily="49" charset="0"/>
-              </a:rPr>
-              <a:t> </a:t>
-            </a:r>
-            <a:r>
-              <a:rPr lang="en-US" sz="2400" dirty="0">
-                <a:solidFill>
-                  <a:srgbClr val="0000FF"/>
-                </a:solidFill>
-                <a:latin typeface="Cascadia Mono" panose="020B0609020000020004" pitchFamily="49" charset="0"/>
-              </a:rPr>
-              <a:t>void</a:t>
-            </a:r>
-            <a:r>
-              <a:rPr lang="en-US" sz="2400" dirty="0">
-                <a:solidFill>
-                  <a:srgbClr val="000000"/>
-                </a:solidFill>
-                <a:latin typeface="Cascadia Mono" panose="020B0609020000020004" pitchFamily="49" charset="0"/>
-              </a:rPr>
-              <a:t> Print()</a:t>
-            </a:r>
-          </a:p>
-          <a:p>
-            <a:r>
-              <a:rPr lang="ru-RU" sz="2400" dirty="0">
-                <a:solidFill>
-                  <a:srgbClr val="000000"/>
-                </a:solidFill>
-                <a:latin typeface="Cascadia Mono" panose="020B0609020000020004" pitchFamily="49" charset="0"/>
-              </a:rPr>
-              <a:t>    {</a:t>
-            </a:r>
-          </a:p>
-          <a:p>
-            <a:r>
-              <a:rPr lang="en-US" sz="2400" dirty="0">
-                <a:solidFill>
-                  <a:srgbClr val="000000"/>
-                </a:solidFill>
-                <a:latin typeface="Cascadia Mono" panose="020B0609020000020004" pitchFamily="49" charset="0"/>
-              </a:rPr>
-              <a:t>        </a:t>
-            </a:r>
-            <a:r>
-              <a:rPr lang="en-US" sz="2400" dirty="0" err="1">
-                <a:solidFill>
-                  <a:srgbClr val="000000"/>
-                </a:solidFill>
-                <a:latin typeface="Cascadia Mono" panose="020B0609020000020004" pitchFamily="49" charset="0"/>
-              </a:rPr>
-              <a:t>Console.WriteLine</a:t>
-            </a:r>
-            <a:r>
-              <a:rPr lang="en-US" sz="2400" dirty="0">
-                <a:solidFill>
-                  <a:srgbClr val="000000"/>
-                </a:solidFill>
-                <a:latin typeface="Cascadia Mono" panose="020B0609020000020004" pitchFamily="49" charset="0"/>
-              </a:rPr>
-              <a:t>(</a:t>
-            </a:r>
-            <a:r>
-              <a:rPr lang="en-US" sz="2400" dirty="0">
-                <a:solidFill>
-                  <a:srgbClr val="A31515"/>
-                </a:solidFill>
-                <a:latin typeface="Cascadia Mono" panose="020B0609020000020004" pitchFamily="49" charset="0"/>
-              </a:rPr>
-              <a:t>$"</a:t>
-            </a:r>
-            <a:r>
-              <a:rPr lang="ru-RU" sz="2400" dirty="0">
-                <a:solidFill>
-                  <a:srgbClr val="A31515"/>
-                </a:solidFill>
-                <a:latin typeface="Cascadia Mono" panose="020B0609020000020004" pitchFamily="49" charset="0"/>
-              </a:rPr>
-              <a:t>Имя: </a:t>
-            </a:r>
-            <a:r>
-              <a:rPr lang="ru-RU" sz="2400" dirty="0">
-                <a:solidFill>
-                  <a:srgbClr val="000000"/>
-                </a:solidFill>
-                <a:latin typeface="Cascadia Mono" panose="020B0609020000020004" pitchFamily="49" charset="0"/>
-              </a:rPr>
-              <a:t>{</a:t>
-            </a:r>
-            <a:r>
-              <a:rPr lang="en-US" sz="2400" dirty="0">
-                <a:solidFill>
-                  <a:srgbClr val="000000"/>
-                </a:solidFill>
-                <a:latin typeface="Cascadia Mono" panose="020B0609020000020004" pitchFamily="49" charset="0"/>
-              </a:rPr>
-              <a:t>name}</a:t>
-            </a:r>
-            <a:r>
-              <a:rPr lang="en-US" sz="2400" dirty="0">
-                <a:solidFill>
-                  <a:srgbClr val="A31515"/>
-                </a:solidFill>
-                <a:latin typeface="Cascadia Mono" panose="020B0609020000020004" pitchFamily="49" charset="0"/>
-              </a:rPr>
-              <a:t>  </a:t>
-            </a:r>
-            <a:r>
-              <a:rPr lang="ru-RU" sz="2400" dirty="0">
-                <a:solidFill>
-                  <a:srgbClr val="A31515"/>
-                </a:solidFill>
-                <a:latin typeface="Cascadia Mono" panose="020B0609020000020004" pitchFamily="49" charset="0"/>
-              </a:rPr>
-              <a:t>Возраст: </a:t>
-            </a:r>
-            <a:r>
-              <a:rPr lang="ru-RU" sz="2400" dirty="0">
-                <a:solidFill>
-                  <a:srgbClr val="000000"/>
-                </a:solidFill>
-                <a:latin typeface="Cascadia Mono" panose="020B0609020000020004" pitchFamily="49" charset="0"/>
-              </a:rPr>
-              <a:t>{</a:t>
-            </a:r>
-            <a:r>
-              <a:rPr lang="en-US" sz="2400" dirty="0">
-                <a:solidFill>
-                  <a:srgbClr val="000000"/>
-                </a:solidFill>
-                <a:latin typeface="Cascadia Mono" panose="020B0609020000020004" pitchFamily="49" charset="0"/>
-              </a:rPr>
-              <a:t>age}</a:t>
-            </a:r>
-            <a:r>
-              <a:rPr lang="en-US" sz="2400" dirty="0">
-                <a:solidFill>
-                  <a:srgbClr val="A31515"/>
-                </a:solidFill>
-                <a:latin typeface="Cascadia Mono" panose="020B0609020000020004" pitchFamily="49" charset="0"/>
-              </a:rPr>
-              <a:t>"</a:t>
-            </a:r>
-            <a:r>
-              <a:rPr lang="en-US" sz="2400" dirty="0">
-                <a:solidFill>
-                  <a:srgbClr val="000000"/>
-                </a:solidFill>
-                <a:latin typeface="Cascadia Mono" panose="020B0609020000020004" pitchFamily="49" charset="0"/>
-              </a:rPr>
-              <a:t>);</a:t>
             </a:r>
           </a:p>
           <a:p>
@@ -25877,7 +25919,7 @@
         </p:nvSpPr>
         <p:spPr>
           <a:xfrm>
-            <a:off x="131790" y="135082"/>
+            <a:off x="73268" y="0"/>
             <a:ext cx="11603010" cy="1569660"/>
           </a:xfrm>
           <a:prstGeom prst="rect">
@@ -26028,7 +26070,7 @@
         </p:blipFill>
         <p:spPr>
           <a:xfrm>
-            <a:off x="131790" y="1704743"/>
+            <a:off x="73268" y="1507232"/>
             <a:ext cx="4452910" cy="2385758"/>
           </a:xfrm>
           <a:prstGeom prst="rect">
@@ -26057,8 +26099,8 @@
         </p:blipFill>
         <p:spPr>
           <a:xfrm>
-            <a:off x="4584700" y="1704742"/>
-            <a:ext cx="4978054" cy="2730500"/>
+            <a:off x="4349498" y="2384423"/>
+            <a:ext cx="4639624" cy="2544869"/>
           </a:xfrm>
           <a:prstGeom prst="rect">
             <a:avLst/>
@@ -26086,7 +26128,7 @@
         </p:blipFill>
         <p:spPr>
           <a:xfrm>
-            <a:off x="-50973" y="4575773"/>
+            <a:off x="0" y="4890326"/>
             <a:ext cx="6891406" cy="1584386"/>
           </a:xfrm>
           <a:prstGeom prst="rect">
@@ -26115,7 +26157,7 @@
         </p:blipFill>
         <p:spPr>
           <a:xfrm>
-            <a:off x="6840433" y="4614739"/>
+            <a:off x="6891406" y="4929292"/>
             <a:ext cx="5300594" cy="1530694"/>
           </a:xfrm>
           <a:prstGeom prst="rect">
@@ -26131,7 +26173,7 @@
         </p:nvSpPr>
         <p:spPr>
           <a:xfrm>
-            <a:off x="6396240" y="6145433"/>
+            <a:off x="6447213" y="6459986"/>
             <a:ext cx="909223" cy="461665"/>
           </a:xfrm>
           <a:prstGeom prst="rect">
@@ -26305,7 +26347,7 @@
         <p:spPr>
           <a:xfrm>
             <a:off x="131790" y="135082"/>
-            <a:ext cx="11603010" cy="6740307"/>
+            <a:ext cx="11603010" cy="6186309"/>
           </a:xfrm>
           <a:prstGeom prst="rect">
             <a:avLst/>
@@ -26642,19 +26684,6 @@
                 <a:srgbClr val="000000"/>
               </a:solidFill>
               <a:latin typeface="Cascadia Mono" panose="020B0609020000020004" pitchFamily="49" charset="0"/>
-            </a:endParaRPr>
-          </a:p>
-          <a:p>
-            <a:pPr indent="717550">
-              <a:lnSpc>
-                <a:spcPct val="150000"/>
-              </a:lnSpc>
-            </a:pPr>
-            <a:endParaRPr lang="ru-RU" sz="2400" dirty="0">
-              <a:solidFill>
-                <a:srgbClr val="000000"/>
-              </a:solidFill>
-              <a:latin typeface="Bookman Old Style" panose="02050604050505020204" pitchFamily="18" charset="0"/>
             </a:endParaRPr>
           </a:p>
         </p:txBody>
@@ -26705,7 +26734,7 @@
         <p:spPr>
           <a:xfrm>
             <a:off x="131790" y="135082"/>
-            <a:ext cx="12060210" cy="7294305"/>
+            <a:ext cx="12060210" cy="6740307"/>
           </a:xfrm>
           <a:prstGeom prst="rect">
             <a:avLst/>
@@ -27155,38 +27184,11 @@
               </a:rPr>
               <a:t>(); </a:t>
             </a:r>
-            <a:r>
-              <a:rPr lang="ru-RU" sz="2400" dirty="0" smtClean="0">
-                <a:solidFill>
-                  <a:srgbClr val="000000"/>
-                </a:solidFill>
-                <a:latin typeface="Bookman Old Style" panose="02050604050505020204" pitchFamily="18" charset="0"/>
-              </a:rPr>
-              <a:t>Круглые </a:t>
-            </a:r>
-            <a:r>
-              <a:rPr lang="ru-RU" sz="2400" dirty="0">
-                <a:solidFill>
-                  <a:srgbClr val="000000"/>
-                </a:solidFill>
-                <a:latin typeface="Bookman Old Style" panose="02050604050505020204" pitchFamily="18" charset="0"/>
-              </a:rPr>
-              <a:t>скобки означают вызов </a:t>
-            </a:r>
-            <a:r>
-              <a:rPr lang="ru-RU" sz="2400" dirty="0" smtClean="0">
-                <a:solidFill>
-                  <a:srgbClr val="000000"/>
-                </a:solidFill>
-                <a:latin typeface="Bookman Old Style" panose="02050604050505020204" pitchFamily="18" charset="0"/>
-              </a:rPr>
-              <a:t>конструктора.</a:t>
-            </a:r>
-            <a:endParaRPr lang="ru-RU" sz="2400" dirty="0">
+            <a:endParaRPr lang="ru-RU" sz="2400" dirty="0" smtClean="0">
               <a:solidFill>
                 <a:srgbClr val="000000"/>
               </a:solidFill>
-              <a:latin typeface="Bookman Old Style" panose="02050604050505020204" pitchFamily="18" charset="0"/>
+              <a:latin typeface="Cascadia Mono" panose="020B0609020000020004" pitchFamily="49" charset="0"/>
             </a:endParaRPr>
           </a:p>
           <a:p>
@@ -27196,13 +27198,22 @@
               </a:lnSpc>
             </a:pPr>
             <a:r>
-              <a:rPr lang="ru-RU" sz="2400" dirty="0">
+              <a:rPr lang="ru-RU" sz="2400" dirty="0" smtClean="0">
                 <a:solidFill>
                   <a:srgbClr val="000000"/>
                 </a:solidFill>
                 <a:latin typeface="Bookman Old Style" panose="02050604050505020204" pitchFamily="18" charset="0"/>
               </a:rPr>
-              <a:t>Заметим, что для создания объекта всегда используется специальное слово </a:t>
+              <a:t>Заметим</a:t>
+            </a:r>
+            <a:r>
+              <a:rPr lang="ru-RU" sz="2400" dirty="0">
+                <a:solidFill>
+                  <a:srgbClr val="000000"/>
+                </a:solidFill>
+                <a:latin typeface="Bookman Old Style" panose="02050604050505020204" pitchFamily="18" charset="0"/>
+              </a:rPr>
+              <a:t>, что для создания объекта всегда используется специальное слово </a:t>
             </a:r>
             <a:r>
               <a:rPr lang="en-US" sz="2400" dirty="0">

--- a/Лекции/ИТиП лек 6 (практическая 3).pptx
+++ b/Лекции/ИТиП лек 6 (практическая 3).pptx
@@ -248,7 +248,7 @@
             <a:fld id="{AA2F9473-F066-431E-A6E8-1D478C995A6B}" type="datetimeFigureOut">
               <a:rPr lang="en-US" smtClean="0"/>
               <a:pPr/>
-              <a:t>3/8/2025</a:t>
+              <a:t>4/11/2025</a:t>
             </a:fld>
             <a:endParaRPr lang="en-US"/>
           </a:p>
@@ -7870,7 +7870,7 @@
         <p:spPr>
           <a:xfrm>
             <a:off x="835468" y="3950526"/>
-            <a:ext cx="8978016" cy="1815882"/>
+            <a:ext cx="8978016" cy="1384995"/>
           </a:xfrm>
           <a:prstGeom prst="rect">
             <a:avLst/>
@@ -7899,15 +7899,6 @@
               </a:rPr>
               <a:t>Классы</a:t>
             </a:r>
-            <a:endParaRPr lang="ru-RU" sz="2800" b="1" dirty="0" smtClean="0">
-              <a:solidFill>
-                <a:schemeClr val="tx2">
-                  <a:lumMod val="50000"/>
-                </a:schemeClr>
-              </a:solidFill>
-              <a:latin typeface="Bookman Old Style" panose="02050604050505020204" pitchFamily="18" charset="0"/>
-              <a:cs typeface="Times New Roman" panose="02020603050405020304" pitchFamily="18" charset="0"/>
-            </a:endParaRPr>
           </a:p>
           <a:p>
             <a:pPr marL="285750" indent="-285750">
@@ -7951,23 +7942,20 @@
                 <a:latin typeface="Bookman Old Style" panose="02050604050505020204" pitchFamily="18" charset="0"/>
                 <a:cs typeface="Times New Roman" panose="02020603050405020304" pitchFamily="18" charset="0"/>
               </a:rPr>
-              <a:t>Пространства имен</a:t>
-            </a:r>
-            <a:endParaRPr lang="ru-RU" sz="2800" b="1" dirty="0">
-              <a:solidFill>
-                <a:schemeClr val="tx2">
-                  <a:lumMod val="50000"/>
-                </a:schemeClr>
-              </a:solidFill>
-              <a:latin typeface="Bookman Old Style" panose="02050604050505020204" pitchFamily="18" charset="0"/>
-              <a:cs typeface="Times New Roman" panose="02020603050405020304" pitchFamily="18" charset="0"/>
-            </a:endParaRPr>
-          </a:p>
-          <a:p>
-            <a:pPr marL="285750" indent="-285750">
-              <a:buFont typeface="Arial" panose="020B0604020202020204" pitchFamily="34" charset="0"/>
-              <a:buChar char="•"/>
-            </a:pPr>
+              <a:t>Пространства </a:t>
+            </a:r>
+            <a:r>
+              <a:rPr lang="ru-RU" sz="2800" b="1" dirty="0" smtClean="0">
+                <a:solidFill>
+                  <a:schemeClr val="tx2">
+                    <a:lumMod val="50000"/>
+                  </a:schemeClr>
+                </a:solidFill>
+                <a:latin typeface="Bookman Old Style" panose="02050604050505020204" pitchFamily="18" charset="0"/>
+                <a:cs typeface="Times New Roman" panose="02020603050405020304" pitchFamily="18" charset="0"/>
+              </a:rPr>
+              <a:t>имен</a:t>
+            </a:r>
             <a:endParaRPr lang="ru-RU" sz="2800" b="1" dirty="0">
               <a:solidFill>
                 <a:schemeClr val="tx2">
@@ -21210,16 +21198,7 @@
                 </a:solidFill>
                 <a:latin typeface="Bookman Old Style" panose="02050604050505020204" pitchFamily="18" charset="0"/>
               </a:rPr>
-              <a:t>инициализация </a:t>
-            </a:r>
-            <a:r>
-              <a:rPr lang="ru-RU" sz="2400" b="1" dirty="0" smtClean="0">
-                <a:solidFill>
-                  <a:srgbClr val="000000"/>
-                </a:solidFill>
-                <a:latin typeface="Bookman Old Style" panose="02050604050505020204" pitchFamily="18" charset="0"/>
-              </a:rPr>
-              <a:t>полей</a:t>
+              <a:t>инициализация полей</a:t>
             </a:r>
           </a:p>
           <a:p>
